--- a/ppt 16-9/1078.奇妙的双手.pptx
+++ b/ppt 16-9/1078.奇妙的双手.pptx
@@ -5,7 +5,7 @@
     <p:sldMasterId id="2147483648" r:id="rId1"/>
   </p:sldMasterIdLst>
   <p:sldIdLst>
-    <p:sldId id="529" r:id="rId2"/>
+    <p:sldId id="531" r:id="rId2"/>
   </p:sldIdLst>
   <p:sldSz cx="12192000" cy="6858000"/>
   <p:notesSz cx="6858000" cy="9144000"/>
@@ -129,7 +129,7 @@
           <p:cNvPr id="2" name="标题 1">
             <a:extLst>
               <a:ext uri="{FF2B5EF4-FFF2-40B4-BE49-F238E27FC236}">
-                <a16:creationId xmlns:a16="http://schemas.microsoft.com/office/drawing/2014/main" id="{1B997B91-47AA-A7C4-6469-760E6C89B1AF}"/>
+                <a16:creationId xmlns:a16="http://schemas.microsoft.com/office/drawing/2014/main" id="{0354BAC5-232A-49B1-D683-3CCF3CF59394}"/>
               </a:ext>
             </a:extLst>
           </p:cNvPr>
@@ -166,7 +166,7 @@
           <p:cNvPr id="3" name="副标题 2">
             <a:extLst>
               <a:ext uri="{FF2B5EF4-FFF2-40B4-BE49-F238E27FC236}">
-                <a16:creationId xmlns:a16="http://schemas.microsoft.com/office/drawing/2014/main" id="{9E3DE7C7-8206-5354-EC0B-EDC276E216B5}"/>
+                <a16:creationId xmlns:a16="http://schemas.microsoft.com/office/drawing/2014/main" id="{27E497C4-A8EC-BF7B-2278-270E908945A5}"/>
               </a:ext>
             </a:extLst>
           </p:cNvPr>
@@ -236,7 +236,7 @@
           <p:cNvPr id="4" name="日期占位符 3">
             <a:extLst>
               <a:ext uri="{FF2B5EF4-FFF2-40B4-BE49-F238E27FC236}">
-                <a16:creationId xmlns:a16="http://schemas.microsoft.com/office/drawing/2014/main" id="{F2080635-99F8-0FC4-5D3F-EE096CD917F7}"/>
+                <a16:creationId xmlns:a16="http://schemas.microsoft.com/office/drawing/2014/main" id="{3F0FD9C3-8FA1-E50E-4F76-8C426BFECDE6}"/>
               </a:ext>
             </a:extLst>
           </p:cNvPr>
@@ -252,7 +252,7 @@
           <a:bodyPr/>
           <a:lstStyle/>
           <a:p>
-            <a:fld id="{585C3B1F-A490-4B28-8FE2-11253A5B051E}" type="datetimeFigureOut">
+            <a:fld id="{5BDFB9D5-4C18-49AA-89D8-F7ED02F297FC}" type="datetimeFigureOut">
               <a:rPr lang="zh-CN" altLang="en-US" smtClean="0"/>
               <a:t>2024/3/10</a:t>
             </a:fld>
@@ -265,7 +265,7 @@
           <p:cNvPr id="5" name="页脚占位符 4">
             <a:extLst>
               <a:ext uri="{FF2B5EF4-FFF2-40B4-BE49-F238E27FC236}">
-                <a16:creationId xmlns:a16="http://schemas.microsoft.com/office/drawing/2014/main" id="{D8FA3366-BCAF-B9B9-46C2-AA9B2B9A7C78}"/>
+                <a16:creationId xmlns:a16="http://schemas.microsoft.com/office/drawing/2014/main" id="{7A3C3B01-8E69-6EBE-2EF5-40BC253E8D7F}"/>
               </a:ext>
             </a:extLst>
           </p:cNvPr>
@@ -290,7 +290,7 @@
           <p:cNvPr id="6" name="灯片编号占位符 5">
             <a:extLst>
               <a:ext uri="{FF2B5EF4-FFF2-40B4-BE49-F238E27FC236}">
-                <a16:creationId xmlns:a16="http://schemas.microsoft.com/office/drawing/2014/main" id="{E3F07F16-201A-AC88-6326-762DC19A7AD4}"/>
+                <a16:creationId xmlns:a16="http://schemas.microsoft.com/office/drawing/2014/main" id="{52B0BEEB-608E-2AC8-DEB7-22F504AA7D57}"/>
               </a:ext>
             </a:extLst>
           </p:cNvPr>
@@ -306,7 +306,7 @@
           <a:bodyPr/>
           <a:lstStyle/>
           <a:p>
-            <a:fld id="{7028D1EE-6EEB-4000-B253-14DBCEA31484}" type="slidenum">
+            <a:fld id="{128A40FE-627D-4615-92D3-A81A7AC7E122}" type="slidenum">
               <a:rPr lang="zh-CN" altLang="en-US" smtClean="0"/>
               <a:t>‹#›</a:t>
             </a:fld>
@@ -317,7 +317,7 @@
     </p:spTree>
     <p:extLst>
       <p:ext uri="{BB962C8B-B14F-4D97-AF65-F5344CB8AC3E}">
-        <p14:creationId xmlns:p14="http://schemas.microsoft.com/office/powerpoint/2010/main" val="3967844877"/>
+        <p14:creationId xmlns:p14="http://schemas.microsoft.com/office/powerpoint/2010/main" val="2122670802"/>
       </p:ext>
     </p:extLst>
   </p:cSld>
@@ -349,7 +349,7 @@
           <p:cNvPr id="2" name="标题 1">
             <a:extLst>
               <a:ext uri="{FF2B5EF4-FFF2-40B4-BE49-F238E27FC236}">
-                <a16:creationId xmlns:a16="http://schemas.microsoft.com/office/drawing/2014/main" id="{6F39BB02-568B-44CB-9C7B-21E46A89111B}"/>
+                <a16:creationId xmlns:a16="http://schemas.microsoft.com/office/drawing/2014/main" id="{0E84A1DA-F989-496E-F63F-5ADB9A5111E0}"/>
               </a:ext>
             </a:extLst>
           </p:cNvPr>
@@ -377,7 +377,7 @@
           <p:cNvPr id="3" name="竖排文字占位符 2">
             <a:extLst>
               <a:ext uri="{FF2B5EF4-FFF2-40B4-BE49-F238E27FC236}">
-                <a16:creationId xmlns:a16="http://schemas.microsoft.com/office/drawing/2014/main" id="{1B292473-2793-A8AC-CFD1-912F04759092}"/>
+                <a16:creationId xmlns:a16="http://schemas.microsoft.com/office/drawing/2014/main" id="{36ACA30D-74FC-0B70-39B6-247A851FC547}"/>
               </a:ext>
             </a:extLst>
           </p:cNvPr>
@@ -434,7 +434,7 @@
           <p:cNvPr id="4" name="日期占位符 3">
             <a:extLst>
               <a:ext uri="{FF2B5EF4-FFF2-40B4-BE49-F238E27FC236}">
-                <a16:creationId xmlns:a16="http://schemas.microsoft.com/office/drawing/2014/main" id="{C2D02CA6-64DB-BC8A-1465-867E1F9384FB}"/>
+                <a16:creationId xmlns:a16="http://schemas.microsoft.com/office/drawing/2014/main" id="{A9B1AEEF-B1A6-3FD4-425F-D8E7C3EE6875}"/>
               </a:ext>
             </a:extLst>
           </p:cNvPr>
@@ -450,7 +450,7 @@
           <a:bodyPr/>
           <a:lstStyle/>
           <a:p>
-            <a:fld id="{585C3B1F-A490-4B28-8FE2-11253A5B051E}" type="datetimeFigureOut">
+            <a:fld id="{5BDFB9D5-4C18-49AA-89D8-F7ED02F297FC}" type="datetimeFigureOut">
               <a:rPr lang="zh-CN" altLang="en-US" smtClean="0"/>
               <a:t>2024/3/10</a:t>
             </a:fld>
@@ -463,7 +463,7 @@
           <p:cNvPr id="5" name="页脚占位符 4">
             <a:extLst>
               <a:ext uri="{FF2B5EF4-FFF2-40B4-BE49-F238E27FC236}">
-                <a16:creationId xmlns:a16="http://schemas.microsoft.com/office/drawing/2014/main" id="{9DC8FE17-5224-617C-A4F6-D7D7819E1151}"/>
+                <a16:creationId xmlns:a16="http://schemas.microsoft.com/office/drawing/2014/main" id="{C65679F7-379A-7D1B-07FE-CC10A338C786}"/>
               </a:ext>
             </a:extLst>
           </p:cNvPr>
@@ -488,7 +488,7 @@
           <p:cNvPr id="6" name="灯片编号占位符 5">
             <a:extLst>
               <a:ext uri="{FF2B5EF4-FFF2-40B4-BE49-F238E27FC236}">
-                <a16:creationId xmlns:a16="http://schemas.microsoft.com/office/drawing/2014/main" id="{8C6A39AB-47FF-E265-2A2A-BC7B94FC109B}"/>
+                <a16:creationId xmlns:a16="http://schemas.microsoft.com/office/drawing/2014/main" id="{43AF7B4A-37BF-7750-4282-D2CA445C8B68}"/>
               </a:ext>
             </a:extLst>
           </p:cNvPr>
@@ -504,7 +504,7 @@
           <a:bodyPr/>
           <a:lstStyle/>
           <a:p>
-            <a:fld id="{7028D1EE-6EEB-4000-B253-14DBCEA31484}" type="slidenum">
+            <a:fld id="{128A40FE-627D-4615-92D3-A81A7AC7E122}" type="slidenum">
               <a:rPr lang="zh-CN" altLang="en-US" smtClean="0"/>
               <a:t>‹#›</a:t>
             </a:fld>
@@ -515,7 +515,7 @@
     </p:spTree>
     <p:extLst>
       <p:ext uri="{BB962C8B-B14F-4D97-AF65-F5344CB8AC3E}">
-        <p14:creationId xmlns:p14="http://schemas.microsoft.com/office/powerpoint/2010/main" val="340630464"/>
+        <p14:creationId xmlns:p14="http://schemas.microsoft.com/office/powerpoint/2010/main" val="1429276244"/>
       </p:ext>
     </p:extLst>
   </p:cSld>
@@ -547,7 +547,7 @@
           <p:cNvPr id="2" name="竖排标题 1">
             <a:extLst>
               <a:ext uri="{FF2B5EF4-FFF2-40B4-BE49-F238E27FC236}">
-                <a16:creationId xmlns:a16="http://schemas.microsoft.com/office/drawing/2014/main" id="{51A35D46-5107-84B4-0C07-2A804EF0E8B9}"/>
+                <a16:creationId xmlns:a16="http://schemas.microsoft.com/office/drawing/2014/main" id="{CE1E9E45-1CCE-6F95-6CEB-7B050C9B64D5}"/>
               </a:ext>
             </a:extLst>
           </p:cNvPr>
@@ -580,7 +580,7 @@
           <p:cNvPr id="3" name="竖排文字占位符 2">
             <a:extLst>
               <a:ext uri="{FF2B5EF4-FFF2-40B4-BE49-F238E27FC236}">
-                <a16:creationId xmlns:a16="http://schemas.microsoft.com/office/drawing/2014/main" id="{6735596F-3AF9-D913-DAC0-98225B28321F}"/>
+                <a16:creationId xmlns:a16="http://schemas.microsoft.com/office/drawing/2014/main" id="{C7BAD2B7-BF1F-9B56-0273-499121A626FB}"/>
               </a:ext>
             </a:extLst>
           </p:cNvPr>
@@ -642,7 +642,7 @@
           <p:cNvPr id="4" name="日期占位符 3">
             <a:extLst>
               <a:ext uri="{FF2B5EF4-FFF2-40B4-BE49-F238E27FC236}">
-                <a16:creationId xmlns:a16="http://schemas.microsoft.com/office/drawing/2014/main" id="{16EB7B9F-5E6A-E418-C4AD-30794BD185B8}"/>
+                <a16:creationId xmlns:a16="http://schemas.microsoft.com/office/drawing/2014/main" id="{3C9640CC-E95D-E225-7F76-C6FC5732B85D}"/>
               </a:ext>
             </a:extLst>
           </p:cNvPr>
@@ -658,7 +658,7 @@
           <a:bodyPr/>
           <a:lstStyle/>
           <a:p>
-            <a:fld id="{585C3B1F-A490-4B28-8FE2-11253A5B051E}" type="datetimeFigureOut">
+            <a:fld id="{5BDFB9D5-4C18-49AA-89D8-F7ED02F297FC}" type="datetimeFigureOut">
               <a:rPr lang="zh-CN" altLang="en-US" smtClean="0"/>
               <a:t>2024/3/10</a:t>
             </a:fld>
@@ -671,7 +671,7 @@
           <p:cNvPr id="5" name="页脚占位符 4">
             <a:extLst>
               <a:ext uri="{FF2B5EF4-FFF2-40B4-BE49-F238E27FC236}">
-                <a16:creationId xmlns:a16="http://schemas.microsoft.com/office/drawing/2014/main" id="{63D59CE6-A155-AF28-7451-70CCC9D54621}"/>
+                <a16:creationId xmlns:a16="http://schemas.microsoft.com/office/drawing/2014/main" id="{2F9C755F-FE88-D9C6-06E3-4DF87968C227}"/>
               </a:ext>
             </a:extLst>
           </p:cNvPr>
@@ -696,7 +696,7 @@
           <p:cNvPr id="6" name="灯片编号占位符 5">
             <a:extLst>
               <a:ext uri="{FF2B5EF4-FFF2-40B4-BE49-F238E27FC236}">
-                <a16:creationId xmlns:a16="http://schemas.microsoft.com/office/drawing/2014/main" id="{FB70E460-B13A-F1F9-1560-01A33D4BCC6B}"/>
+                <a16:creationId xmlns:a16="http://schemas.microsoft.com/office/drawing/2014/main" id="{014CE166-CF53-EEC5-5115-7758A2650207}"/>
               </a:ext>
             </a:extLst>
           </p:cNvPr>
@@ -712,7 +712,7 @@
           <a:bodyPr/>
           <a:lstStyle/>
           <a:p>
-            <a:fld id="{7028D1EE-6EEB-4000-B253-14DBCEA31484}" type="slidenum">
+            <a:fld id="{128A40FE-627D-4615-92D3-A81A7AC7E122}" type="slidenum">
               <a:rPr lang="zh-CN" altLang="en-US" smtClean="0"/>
               <a:t>‹#›</a:t>
             </a:fld>
@@ -723,7 +723,7 @@
     </p:spTree>
     <p:extLst>
       <p:ext uri="{BB962C8B-B14F-4D97-AF65-F5344CB8AC3E}">
-        <p14:creationId xmlns:p14="http://schemas.microsoft.com/office/powerpoint/2010/main" val="3477795890"/>
+        <p14:creationId xmlns:p14="http://schemas.microsoft.com/office/powerpoint/2010/main" val="1481743869"/>
       </p:ext>
     </p:extLst>
   </p:cSld>
@@ -755,7 +755,7 @@
           <p:cNvPr id="2" name="标题 1">
             <a:extLst>
               <a:ext uri="{FF2B5EF4-FFF2-40B4-BE49-F238E27FC236}">
-                <a16:creationId xmlns:a16="http://schemas.microsoft.com/office/drawing/2014/main" id="{3687EDBE-54D8-AD2C-FD09-50BADEB4AEB9}"/>
+                <a16:creationId xmlns:a16="http://schemas.microsoft.com/office/drawing/2014/main" id="{B52921E5-1717-475E-0039-7460C0F3483D}"/>
               </a:ext>
             </a:extLst>
           </p:cNvPr>
@@ -783,7 +783,7 @@
           <p:cNvPr id="3" name="内容占位符 2">
             <a:extLst>
               <a:ext uri="{FF2B5EF4-FFF2-40B4-BE49-F238E27FC236}">
-                <a16:creationId xmlns:a16="http://schemas.microsoft.com/office/drawing/2014/main" id="{6BF95061-79D1-DE31-AA23-5F54E498E200}"/>
+                <a16:creationId xmlns:a16="http://schemas.microsoft.com/office/drawing/2014/main" id="{FBB07CEC-71CD-7B2A-11A0-1C33B4000109}"/>
               </a:ext>
             </a:extLst>
           </p:cNvPr>
@@ -840,7 +840,7 @@
           <p:cNvPr id="4" name="日期占位符 3">
             <a:extLst>
               <a:ext uri="{FF2B5EF4-FFF2-40B4-BE49-F238E27FC236}">
-                <a16:creationId xmlns:a16="http://schemas.microsoft.com/office/drawing/2014/main" id="{62DC50D3-9AA3-0CB5-DB6F-B9CA5F477021}"/>
+                <a16:creationId xmlns:a16="http://schemas.microsoft.com/office/drawing/2014/main" id="{4602AF10-BDAD-E0CB-7C6B-351D2F9B23EE}"/>
               </a:ext>
             </a:extLst>
           </p:cNvPr>
@@ -856,7 +856,7 @@
           <a:bodyPr/>
           <a:lstStyle/>
           <a:p>
-            <a:fld id="{585C3B1F-A490-4B28-8FE2-11253A5B051E}" type="datetimeFigureOut">
+            <a:fld id="{5BDFB9D5-4C18-49AA-89D8-F7ED02F297FC}" type="datetimeFigureOut">
               <a:rPr lang="zh-CN" altLang="en-US" smtClean="0"/>
               <a:t>2024/3/10</a:t>
             </a:fld>
@@ -869,7 +869,7 @@
           <p:cNvPr id="5" name="页脚占位符 4">
             <a:extLst>
               <a:ext uri="{FF2B5EF4-FFF2-40B4-BE49-F238E27FC236}">
-                <a16:creationId xmlns:a16="http://schemas.microsoft.com/office/drawing/2014/main" id="{BD9C1372-3F41-CA77-31EF-0404A9306F21}"/>
+                <a16:creationId xmlns:a16="http://schemas.microsoft.com/office/drawing/2014/main" id="{07F79B10-C037-1E62-FAD1-0D428E53E466}"/>
               </a:ext>
             </a:extLst>
           </p:cNvPr>
@@ -894,7 +894,7 @@
           <p:cNvPr id="6" name="灯片编号占位符 5">
             <a:extLst>
               <a:ext uri="{FF2B5EF4-FFF2-40B4-BE49-F238E27FC236}">
-                <a16:creationId xmlns:a16="http://schemas.microsoft.com/office/drawing/2014/main" id="{76BACEAA-8897-0582-66DF-643BED341714}"/>
+                <a16:creationId xmlns:a16="http://schemas.microsoft.com/office/drawing/2014/main" id="{71678221-F6F2-5D75-F8E4-3178721CFB13}"/>
               </a:ext>
             </a:extLst>
           </p:cNvPr>
@@ -910,7 +910,7 @@
           <a:bodyPr/>
           <a:lstStyle/>
           <a:p>
-            <a:fld id="{7028D1EE-6EEB-4000-B253-14DBCEA31484}" type="slidenum">
+            <a:fld id="{128A40FE-627D-4615-92D3-A81A7AC7E122}" type="slidenum">
               <a:rPr lang="zh-CN" altLang="en-US" smtClean="0"/>
               <a:t>‹#›</a:t>
             </a:fld>
@@ -921,7 +921,7 @@
     </p:spTree>
     <p:extLst>
       <p:ext uri="{BB962C8B-B14F-4D97-AF65-F5344CB8AC3E}">
-        <p14:creationId xmlns:p14="http://schemas.microsoft.com/office/powerpoint/2010/main" val="1534660481"/>
+        <p14:creationId xmlns:p14="http://schemas.microsoft.com/office/powerpoint/2010/main" val="832049061"/>
       </p:ext>
     </p:extLst>
   </p:cSld>
@@ -953,7 +953,7 @@
           <p:cNvPr id="2" name="标题 1">
             <a:extLst>
               <a:ext uri="{FF2B5EF4-FFF2-40B4-BE49-F238E27FC236}">
-                <a16:creationId xmlns:a16="http://schemas.microsoft.com/office/drawing/2014/main" id="{53A9E212-E3C8-9A3E-89A6-F65A173382E0}"/>
+                <a16:creationId xmlns:a16="http://schemas.microsoft.com/office/drawing/2014/main" id="{1B7831EC-25C7-8793-61A2-1E8AD073C6BE}"/>
               </a:ext>
             </a:extLst>
           </p:cNvPr>
@@ -990,7 +990,7 @@
           <p:cNvPr id="3" name="文本占位符 2">
             <a:extLst>
               <a:ext uri="{FF2B5EF4-FFF2-40B4-BE49-F238E27FC236}">
-                <a16:creationId xmlns:a16="http://schemas.microsoft.com/office/drawing/2014/main" id="{63567CE0-7A52-9260-7400-533EB9D25EEB}"/>
+                <a16:creationId xmlns:a16="http://schemas.microsoft.com/office/drawing/2014/main" id="{41C704BE-2B24-933F-28FB-9678D6BBF3BD}"/>
               </a:ext>
             </a:extLst>
           </p:cNvPr>
@@ -1115,7 +1115,7 @@
           <p:cNvPr id="4" name="日期占位符 3">
             <a:extLst>
               <a:ext uri="{FF2B5EF4-FFF2-40B4-BE49-F238E27FC236}">
-                <a16:creationId xmlns:a16="http://schemas.microsoft.com/office/drawing/2014/main" id="{92C783ED-4B29-CA30-F61B-6A132D7B0F79}"/>
+                <a16:creationId xmlns:a16="http://schemas.microsoft.com/office/drawing/2014/main" id="{D4960056-78AA-5DB4-02F1-3555DC35F795}"/>
               </a:ext>
             </a:extLst>
           </p:cNvPr>
@@ -1131,7 +1131,7 @@
           <a:bodyPr/>
           <a:lstStyle/>
           <a:p>
-            <a:fld id="{585C3B1F-A490-4B28-8FE2-11253A5B051E}" type="datetimeFigureOut">
+            <a:fld id="{5BDFB9D5-4C18-49AA-89D8-F7ED02F297FC}" type="datetimeFigureOut">
               <a:rPr lang="zh-CN" altLang="en-US" smtClean="0"/>
               <a:t>2024/3/10</a:t>
             </a:fld>
@@ -1144,7 +1144,7 @@
           <p:cNvPr id="5" name="页脚占位符 4">
             <a:extLst>
               <a:ext uri="{FF2B5EF4-FFF2-40B4-BE49-F238E27FC236}">
-                <a16:creationId xmlns:a16="http://schemas.microsoft.com/office/drawing/2014/main" id="{5753B358-15A4-3E1A-8AAC-E35E1AE29207}"/>
+                <a16:creationId xmlns:a16="http://schemas.microsoft.com/office/drawing/2014/main" id="{B004D8D7-AE2F-2ABC-B014-E12F256A8719}"/>
               </a:ext>
             </a:extLst>
           </p:cNvPr>
@@ -1169,7 +1169,7 @@
           <p:cNvPr id="6" name="灯片编号占位符 5">
             <a:extLst>
               <a:ext uri="{FF2B5EF4-FFF2-40B4-BE49-F238E27FC236}">
-                <a16:creationId xmlns:a16="http://schemas.microsoft.com/office/drawing/2014/main" id="{07F419B5-6C7A-2D62-8671-ED5A7AB643E7}"/>
+                <a16:creationId xmlns:a16="http://schemas.microsoft.com/office/drawing/2014/main" id="{C994578A-0767-CAAA-A403-8866F22F7DF7}"/>
               </a:ext>
             </a:extLst>
           </p:cNvPr>
@@ -1185,7 +1185,7 @@
           <a:bodyPr/>
           <a:lstStyle/>
           <a:p>
-            <a:fld id="{7028D1EE-6EEB-4000-B253-14DBCEA31484}" type="slidenum">
+            <a:fld id="{128A40FE-627D-4615-92D3-A81A7AC7E122}" type="slidenum">
               <a:rPr lang="zh-CN" altLang="en-US" smtClean="0"/>
               <a:t>‹#›</a:t>
             </a:fld>
@@ -1196,7 +1196,7 @@
     </p:spTree>
     <p:extLst>
       <p:ext uri="{BB962C8B-B14F-4D97-AF65-F5344CB8AC3E}">
-        <p14:creationId xmlns:p14="http://schemas.microsoft.com/office/powerpoint/2010/main" val="3807982597"/>
+        <p14:creationId xmlns:p14="http://schemas.microsoft.com/office/powerpoint/2010/main" val="513044557"/>
       </p:ext>
     </p:extLst>
   </p:cSld>
@@ -1228,7 +1228,7 @@
           <p:cNvPr id="2" name="标题 1">
             <a:extLst>
               <a:ext uri="{FF2B5EF4-FFF2-40B4-BE49-F238E27FC236}">
-                <a16:creationId xmlns:a16="http://schemas.microsoft.com/office/drawing/2014/main" id="{B58BFEDA-D860-BB17-E01D-B93A99E93712}"/>
+                <a16:creationId xmlns:a16="http://schemas.microsoft.com/office/drawing/2014/main" id="{F0A515B8-8FEC-7BFA-DA67-342EAF07058A}"/>
               </a:ext>
             </a:extLst>
           </p:cNvPr>
@@ -1256,7 +1256,7 @@
           <p:cNvPr id="3" name="内容占位符 2">
             <a:extLst>
               <a:ext uri="{FF2B5EF4-FFF2-40B4-BE49-F238E27FC236}">
-                <a16:creationId xmlns:a16="http://schemas.microsoft.com/office/drawing/2014/main" id="{DE723811-5AD1-595B-DD7A-A38BD73621CB}"/>
+                <a16:creationId xmlns:a16="http://schemas.microsoft.com/office/drawing/2014/main" id="{5651F394-DD47-682B-9BC9-416B6490846A}"/>
               </a:ext>
             </a:extLst>
           </p:cNvPr>
@@ -1318,7 +1318,7 @@
           <p:cNvPr id="4" name="内容占位符 3">
             <a:extLst>
               <a:ext uri="{FF2B5EF4-FFF2-40B4-BE49-F238E27FC236}">
-                <a16:creationId xmlns:a16="http://schemas.microsoft.com/office/drawing/2014/main" id="{FB0C9CAF-E77F-766F-E282-99F1593A34F9}"/>
+                <a16:creationId xmlns:a16="http://schemas.microsoft.com/office/drawing/2014/main" id="{A90F5824-4E04-865A-0B14-E70651184FDF}"/>
               </a:ext>
             </a:extLst>
           </p:cNvPr>
@@ -1380,7 +1380,7 @@
           <p:cNvPr id="5" name="日期占位符 4">
             <a:extLst>
               <a:ext uri="{FF2B5EF4-FFF2-40B4-BE49-F238E27FC236}">
-                <a16:creationId xmlns:a16="http://schemas.microsoft.com/office/drawing/2014/main" id="{B1A1A6AD-FF05-12E1-410F-61CB16864416}"/>
+                <a16:creationId xmlns:a16="http://schemas.microsoft.com/office/drawing/2014/main" id="{4F78DC63-32C1-79DA-965D-83C2E9ECEC7D}"/>
               </a:ext>
             </a:extLst>
           </p:cNvPr>
@@ -1396,7 +1396,7 @@
           <a:bodyPr/>
           <a:lstStyle/>
           <a:p>
-            <a:fld id="{585C3B1F-A490-4B28-8FE2-11253A5B051E}" type="datetimeFigureOut">
+            <a:fld id="{5BDFB9D5-4C18-49AA-89D8-F7ED02F297FC}" type="datetimeFigureOut">
               <a:rPr lang="zh-CN" altLang="en-US" smtClean="0"/>
               <a:t>2024/3/10</a:t>
             </a:fld>
@@ -1409,7 +1409,7 @@
           <p:cNvPr id="6" name="页脚占位符 5">
             <a:extLst>
               <a:ext uri="{FF2B5EF4-FFF2-40B4-BE49-F238E27FC236}">
-                <a16:creationId xmlns:a16="http://schemas.microsoft.com/office/drawing/2014/main" id="{2CBD33F7-5E9C-0264-EF3A-6AE73BEE4F08}"/>
+                <a16:creationId xmlns:a16="http://schemas.microsoft.com/office/drawing/2014/main" id="{E5976E7E-F049-7C40-3F16-3E45D289DDFE}"/>
               </a:ext>
             </a:extLst>
           </p:cNvPr>
@@ -1434,7 +1434,7 @@
           <p:cNvPr id="7" name="灯片编号占位符 6">
             <a:extLst>
               <a:ext uri="{FF2B5EF4-FFF2-40B4-BE49-F238E27FC236}">
-                <a16:creationId xmlns:a16="http://schemas.microsoft.com/office/drawing/2014/main" id="{CE659388-E981-368C-02D4-9C7CD0F83E1C}"/>
+                <a16:creationId xmlns:a16="http://schemas.microsoft.com/office/drawing/2014/main" id="{273F88D9-D0F7-AB2C-6E3B-0E31676FA4DC}"/>
               </a:ext>
             </a:extLst>
           </p:cNvPr>
@@ -1450,7 +1450,7 @@
           <a:bodyPr/>
           <a:lstStyle/>
           <a:p>
-            <a:fld id="{7028D1EE-6EEB-4000-B253-14DBCEA31484}" type="slidenum">
+            <a:fld id="{128A40FE-627D-4615-92D3-A81A7AC7E122}" type="slidenum">
               <a:rPr lang="zh-CN" altLang="en-US" smtClean="0"/>
               <a:t>‹#›</a:t>
             </a:fld>
@@ -1461,7 +1461,7 @@
     </p:spTree>
     <p:extLst>
       <p:ext uri="{BB962C8B-B14F-4D97-AF65-F5344CB8AC3E}">
-        <p14:creationId xmlns:p14="http://schemas.microsoft.com/office/powerpoint/2010/main" val="696970570"/>
+        <p14:creationId xmlns:p14="http://schemas.microsoft.com/office/powerpoint/2010/main" val="4017327608"/>
       </p:ext>
     </p:extLst>
   </p:cSld>
@@ -1493,7 +1493,7 @@
           <p:cNvPr id="2" name="标题 1">
             <a:extLst>
               <a:ext uri="{FF2B5EF4-FFF2-40B4-BE49-F238E27FC236}">
-                <a16:creationId xmlns:a16="http://schemas.microsoft.com/office/drawing/2014/main" id="{1B553BF2-1717-9904-F62D-2070F8EBB7D7}"/>
+                <a16:creationId xmlns:a16="http://schemas.microsoft.com/office/drawing/2014/main" id="{82A75589-12C8-2668-6E79-E50C29E7F806}"/>
               </a:ext>
             </a:extLst>
           </p:cNvPr>
@@ -1526,7 +1526,7 @@
           <p:cNvPr id="3" name="文本占位符 2">
             <a:extLst>
               <a:ext uri="{FF2B5EF4-FFF2-40B4-BE49-F238E27FC236}">
-                <a16:creationId xmlns:a16="http://schemas.microsoft.com/office/drawing/2014/main" id="{F6A6026A-A143-1303-17F0-CF4CBE92B277}"/>
+                <a16:creationId xmlns:a16="http://schemas.microsoft.com/office/drawing/2014/main" id="{4B94BCE7-2CBA-4665-C21D-61ED45920FD8}"/>
               </a:ext>
             </a:extLst>
           </p:cNvPr>
@@ -1597,7 +1597,7 @@
           <p:cNvPr id="4" name="内容占位符 3">
             <a:extLst>
               <a:ext uri="{FF2B5EF4-FFF2-40B4-BE49-F238E27FC236}">
-                <a16:creationId xmlns:a16="http://schemas.microsoft.com/office/drawing/2014/main" id="{CEA33177-7441-B9E8-0370-F583FA1A0632}"/>
+                <a16:creationId xmlns:a16="http://schemas.microsoft.com/office/drawing/2014/main" id="{57F369D1-9F3C-455B-3C94-A6595F109675}"/>
               </a:ext>
             </a:extLst>
           </p:cNvPr>
@@ -1659,7 +1659,7 @@
           <p:cNvPr id="5" name="文本占位符 4">
             <a:extLst>
               <a:ext uri="{FF2B5EF4-FFF2-40B4-BE49-F238E27FC236}">
-                <a16:creationId xmlns:a16="http://schemas.microsoft.com/office/drawing/2014/main" id="{B5E29C39-73FE-9420-1974-AAA00E3AE5B9}"/>
+                <a16:creationId xmlns:a16="http://schemas.microsoft.com/office/drawing/2014/main" id="{B7D3C9CC-87CE-094A-A364-72B927B2ED3C}"/>
               </a:ext>
             </a:extLst>
           </p:cNvPr>
@@ -1730,7 +1730,7 @@
           <p:cNvPr id="6" name="内容占位符 5">
             <a:extLst>
               <a:ext uri="{FF2B5EF4-FFF2-40B4-BE49-F238E27FC236}">
-                <a16:creationId xmlns:a16="http://schemas.microsoft.com/office/drawing/2014/main" id="{43B71081-83E1-B50B-3127-18D03593919F}"/>
+                <a16:creationId xmlns:a16="http://schemas.microsoft.com/office/drawing/2014/main" id="{9F206D45-9D43-CCA3-EC16-8435CA5C97F8}"/>
               </a:ext>
             </a:extLst>
           </p:cNvPr>
@@ -1792,7 +1792,7 @@
           <p:cNvPr id="7" name="日期占位符 6">
             <a:extLst>
               <a:ext uri="{FF2B5EF4-FFF2-40B4-BE49-F238E27FC236}">
-                <a16:creationId xmlns:a16="http://schemas.microsoft.com/office/drawing/2014/main" id="{C3E452C0-2645-4D1E-D063-7B8C11398EC1}"/>
+                <a16:creationId xmlns:a16="http://schemas.microsoft.com/office/drawing/2014/main" id="{C05420E9-F195-637B-A181-7A39D813A180}"/>
               </a:ext>
             </a:extLst>
           </p:cNvPr>
@@ -1808,7 +1808,7 @@
           <a:bodyPr/>
           <a:lstStyle/>
           <a:p>
-            <a:fld id="{585C3B1F-A490-4B28-8FE2-11253A5B051E}" type="datetimeFigureOut">
+            <a:fld id="{5BDFB9D5-4C18-49AA-89D8-F7ED02F297FC}" type="datetimeFigureOut">
               <a:rPr lang="zh-CN" altLang="en-US" smtClean="0"/>
               <a:t>2024/3/10</a:t>
             </a:fld>
@@ -1821,7 +1821,7 @@
           <p:cNvPr id="8" name="页脚占位符 7">
             <a:extLst>
               <a:ext uri="{FF2B5EF4-FFF2-40B4-BE49-F238E27FC236}">
-                <a16:creationId xmlns:a16="http://schemas.microsoft.com/office/drawing/2014/main" id="{64A2E019-3786-7E41-F6C5-BB6ABCA751EF}"/>
+                <a16:creationId xmlns:a16="http://schemas.microsoft.com/office/drawing/2014/main" id="{87AA585A-8AD2-FF8D-7602-9939F3170C87}"/>
               </a:ext>
             </a:extLst>
           </p:cNvPr>
@@ -1846,7 +1846,7 @@
           <p:cNvPr id="9" name="灯片编号占位符 8">
             <a:extLst>
               <a:ext uri="{FF2B5EF4-FFF2-40B4-BE49-F238E27FC236}">
-                <a16:creationId xmlns:a16="http://schemas.microsoft.com/office/drawing/2014/main" id="{2B7EC942-EE89-6CE0-B928-95369BF2829A}"/>
+                <a16:creationId xmlns:a16="http://schemas.microsoft.com/office/drawing/2014/main" id="{460EA6A5-456E-3B2F-78E9-B72353F1CB42}"/>
               </a:ext>
             </a:extLst>
           </p:cNvPr>
@@ -1862,7 +1862,7 @@
           <a:bodyPr/>
           <a:lstStyle/>
           <a:p>
-            <a:fld id="{7028D1EE-6EEB-4000-B253-14DBCEA31484}" type="slidenum">
+            <a:fld id="{128A40FE-627D-4615-92D3-A81A7AC7E122}" type="slidenum">
               <a:rPr lang="zh-CN" altLang="en-US" smtClean="0"/>
               <a:t>‹#›</a:t>
             </a:fld>
@@ -1873,7 +1873,7 @@
     </p:spTree>
     <p:extLst>
       <p:ext uri="{BB962C8B-B14F-4D97-AF65-F5344CB8AC3E}">
-        <p14:creationId xmlns:p14="http://schemas.microsoft.com/office/powerpoint/2010/main" val="293304693"/>
+        <p14:creationId xmlns:p14="http://schemas.microsoft.com/office/powerpoint/2010/main" val="835706663"/>
       </p:ext>
     </p:extLst>
   </p:cSld>
@@ -1905,7 +1905,7 @@
           <p:cNvPr id="2" name="标题 1">
             <a:extLst>
               <a:ext uri="{FF2B5EF4-FFF2-40B4-BE49-F238E27FC236}">
-                <a16:creationId xmlns:a16="http://schemas.microsoft.com/office/drawing/2014/main" id="{86A6EBF4-8571-029C-1E81-0AD261065645}"/>
+                <a16:creationId xmlns:a16="http://schemas.microsoft.com/office/drawing/2014/main" id="{EB952777-4BCD-C91D-0A01-0B208F25B2F2}"/>
               </a:ext>
             </a:extLst>
           </p:cNvPr>
@@ -1933,7 +1933,7 @@
           <p:cNvPr id="3" name="日期占位符 2">
             <a:extLst>
               <a:ext uri="{FF2B5EF4-FFF2-40B4-BE49-F238E27FC236}">
-                <a16:creationId xmlns:a16="http://schemas.microsoft.com/office/drawing/2014/main" id="{1BDB395E-952E-F276-296E-B1CDA294052F}"/>
+                <a16:creationId xmlns:a16="http://schemas.microsoft.com/office/drawing/2014/main" id="{09597B8A-4C86-4E75-C542-38D7A5E56197}"/>
               </a:ext>
             </a:extLst>
           </p:cNvPr>
@@ -1949,7 +1949,7 @@
           <a:bodyPr/>
           <a:lstStyle/>
           <a:p>
-            <a:fld id="{585C3B1F-A490-4B28-8FE2-11253A5B051E}" type="datetimeFigureOut">
+            <a:fld id="{5BDFB9D5-4C18-49AA-89D8-F7ED02F297FC}" type="datetimeFigureOut">
               <a:rPr lang="zh-CN" altLang="en-US" smtClean="0"/>
               <a:t>2024/3/10</a:t>
             </a:fld>
@@ -1962,7 +1962,7 @@
           <p:cNvPr id="4" name="页脚占位符 3">
             <a:extLst>
               <a:ext uri="{FF2B5EF4-FFF2-40B4-BE49-F238E27FC236}">
-                <a16:creationId xmlns:a16="http://schemas.microsoft.com/office/drawing/2014/main" id="{6B646102-9DCA-F79D-8011-B04A3087B1A4}"/>
+                <a16:creationId xmlns:a16="http://schemas.microsoft.com/office/drawing/2014/main" id="{E0839547-F4A9-B2C8-F33A-5F91A75EA4EF}"/>
               </a:ext>
             </a:extLst>
           </p:cNvPr>
@@ -1987,7 +1987,7 @@
           <p:cNvPr id="5" name="灯片编号占位符 4">
             <a:extLst>
               <a:ext uri="{FF2B5EF4-FFF2-40B4-BE49-F238E27FC236}">
-                <a16:creationId xmlns:a16="http://schemas.microsoft.com/office/drawing/2014/main" id="{DD947271-9964-F066-726D-8354BC679265}"/>
+                <a16:creationId xmlns:a16="http://schemas.microsoft.com/office/drawing/2014/main" id="{25FD0BDA-57ED-B54A-912E-24A8A02D4147}"/>
               </a:ext>
             </a:extLst>
           </p:cNvPr>
@@ -2003,7 +2003,7 @@
           <a:bodyPr/>
           <a:lstStyle/>
           <a:p>
-            <a:fld id="{7028D1EE-6EEB-4000-B253-14DBCEA31484}" type="slidenum">
+            <a:fld id="{128A40FE-627D-4615-92D3-A81A7AC7E122}" type="slidenum">
               <a:rPr lang="zh-CN" altLang="en-US" smtClean="0"/>
               <a:t>‹#›</a:t>
             </a:fld>
@@ -2014,7 +2014,7 @@
     </p:spTree>
     <p:extLst>
       <p:ext uri="{BB962C8B-B14F-4D97-AF65-F5344CB8AC3E}">
-        <p14:creationId xmlns:p14="http://schemas.microsoft.com/office/powerpoint/2010/main" val="689685615"/>
+        <p14:creationId xmlns:p14="http://schemas.microsoft.com/office/powerpoint/2010/main" val="1222950574"/>
       </p:ext>
     </p:extLst>
   </p:cSld>
@@ -2046,7 +2046,7 @@
           <p:cNvPr id="2" name="日期占位符 1">
             <a:extLst>
               <a:ext uri="{FF2B5EF4-FFF2-40B4-BE49-F238E27FC236}">
-                <a16:creationId xmlns:a16="http://schemas.microsoft.com/office/drawing/2014/main" id="{9229A9B4-9EC5-26F1-89D2-35E04E2A1D36}"/>
+                <a16:creationId xmlns:a16="http://schemas.microsoft.com/office/drawing/2014/main" id="{64DBA9D7-2AF3-FDB6-C5AE-5EB42DAF1B5B}"/>
               </a:ext>
             </a:extLst>
           </p:cNvPr>
@@ -2062,7 +2062,7 @@
           <a:bodyPr/>
           <a:lstStyle/>
           <a:p>
-            <a:fld id="{585C3B1F-A490-4B28-8FE2-11253A5B051E}" type="datetimeFigureOut">
+            <a:fld id="{5BDFB9D5-4C18-49AA-89D8-F7ED02F297FC}" type="datetimeFigureOut">
               <a:rPr lang="zh-CN" altLang="en-US" smtClean="0"/>
               <a:t>2024/3/10</a:t>
             </a:fld>
@@ -2075,7 +2075,7 @@
           <p:cNvPr id="3" name="页脚占位符 2">
             <a:extLst>
               <a:ext uri="{FF2B5EF4-FFF2-40B4-BE49-F238E27FC236}">
-                <a16:creationId xmlns:a16="http://schemas.microsoft.com/office/drawing/2014/main" id="{089143C2-DFF2-9C31-CF6E-B780300790E8}"/>
+                <a16:creationId xmlns:a16="http://schemas.microsoft.com/office/drawing/2014/main" id="{56B46123-17E1-D568-8995-73274D736C75}"/>
               </a:ext>
             </a:extLst>
           </p:cNvPr>
@@ -2100,7 +2100,7 @@
           <p:cNvPr id="4" name="灯片编号占位符 3">
             <a:extLst>
               <a:ext uri="{FF2B5EF4-FFF2-40B4-BE49-F238E27FC236}">
-                <a16:creationId xmlns:a16="http://schemas.microsoft.com/office/drawing/2014/main" id="{1B5F26CD-ECD9-E23B-39E1-9787F66CCB1A}"/>
+                <a16:creationId xmlns:a16="http://schemas.microsoft.com/office/drawing/2014/main" id="{2EECBC0F-ED92-C4EF-014C-95F188F9A720}"/>
               </a:ext>
             </a:extLst>
           </p:cNvPr>
@@ -2116,7 +2116,7 @@
           <a:bodyPr/>
           <a:lstStyle/>
           <a:p>
-            <a:fld id="{7028D1EE-6EEB-4000-B253-14DBCEA31484}" type="slidenum">
+            <a:fld id="{128A40FE-627D-4615-92D3-A81A7AC7E122}" type="slidenum">
               <a:rPr lang="zh-CN" altLang="en-US" smtClean="0"/>
               <a:t>‹#›</a:t>
             </a:fld>
@@ -2127,7 +2127,7 @@
     </p:spTree>
     <p:extLst>
       <p:ext uri="{BB962C8B-B14F-4D97-AF65-F5344CB8AC3E}">
-        <p14:creationId xmlns:p14="http://schemas.microsoft.com/office/powerpoint/2010/main" val="893749163"/>
+        <p14:creationId xmlns:p14="http://schemas.microsoft.com/office/powerpoint/2010/main" val="2754359608"/>
       </p:ext>
     </p:extLst>
   </p:cSld>
@@ -2159,7 +2159,7 @@
           <p:cNvPr id="2" name="标题 1">
             <a:extLst>
               <a:ext uri="{FF2B5EF4-FFF2-40B4-BE49-F238E27FC236}">
-                <a16:creationId xmlns:a16="http://schemas.microsoft.com/office/drawing/2014/main" id="{ED6A3EC7-88E4-8B54-9175-03453DD61ACA}"/>
+                <a16:creationId xmlns:a16="http://schemas.microsoft.com/office/drawing/2014/main" id="{07EDDE29-8F45-6D14-7C58-E0B9111E401A}"/>
               </a:ext>
             </a:extLst>
           </p:cNvPr>
@@ -2196,7 +2196,7 @@
           <p:cNvPr id="3" name="内容占位符 2">
             <a:extLst>
               <a:ext uri="{FF2B5EF4-FFF2-40B4-BE49-F238E27FC236}">
-                <a16:creationId xmlns:a16="http://schemas.microsoft.com/office/drawing/2014/main" id="{CF5AF37A-03ED-6308-18B3-A9012781F79D}"/>
+                <a16:creationId xmlns:a16="http://schemas.microsoft.com/office/drawing/2014/main" id="{D692B224-EA4D-13AE-386C-F99653673EBD}"/>
               </a:ext>
             </a:extLst>
           </p:cNvPr>
@@ -2286,7 +2286,7 @@
           <p:cNvPr id="4" name="文本占位符 3">
             <a:extLst>
               <a:ext uri="{FF2B5EF4-FFF2-40B4-BE49-F238E27FC236}">
-                <a16:creationId xmlns:a16="http://schemas.microsoft.com/office/drawing/2014/main" id="{3EC89C12-F134-5CBC-9A3F-F36CFF47E195}"/>
+                <a16:creationId xmlns:a16="http://schemas.microsoft.com/office/drawing/2014/main" id="{D3252743-E255-BAE0-529A-88B8989A5C14}"/>
               </a:ext>
             </a:extLst>
           </p:cNvPr>
@@ -2357,7 +2357,7 @@
           <p:cNvPr id="5" name="日期占位符 4">
             <a:extLst>
               <a:ext uri="{FF2B5EF4-FFF2-40B4-BE49-F238E27FC236}">
-                <a16:creationId xmlns:a16="http://schemas.microsoft.com/office/drawing/2014/main" id="{9BAD1DE3-7C7A-6EF0-45AB-33CBB91B501A}"/>
+                <a16:creationId xmlns:a16="http://schemas.microsoft.com/office/drawing/2014/main" id="{7CF7D796-DEC7-CB9F-1EDB-9AB6E82E000D}"/>
               </a:ext>
             </a:extLst>
           </p:cNvPr>
@@ -2373,7 +2373,7 @@
           <a:bodyPr/>
           <a:lstStyle/>
           <a:p>
-            <a:fld id="{585C3B1F-A490-4B28-8FE2-11253A5B051E}" type="datetimeFigureOut">
+            <a:fld id="{5BDFB9D5-4C18-49AA-89D8-F7ED02F297FC}" type="datetimeFigureOut">
               <a:rPr lang="zh-CN" altLang="en-US" smtClean="0"/>
               <a:t>2024/3/10</a:t>
             </a:fld>
@@ -2386,7 +2386,7 @@
           <p:cNvPr id="6" name="页脚占位符 5">
             <a:extLst>
               <a:ext uri="{FF2B5EF4-FFF2-40B4-BE49-F238E27FC236}">
-                <a16:creationId xmlns:a16="http://schemas.microsoft.com/office/drawing/2014/main" id="{E4F123D7-713B-1A4C-42C0-EBF3CEE879FB}"/>
+                <a16:creationId xmlns:a16="http://schemas.microsoft.com/office/drawing/2014/main" id="{66D43811-7F25-4A6F-84B4-FC13D8A94DDF}"/>
               </a:ext>
             </a:extLst>
           </p:cNvPr>
@@ -2411,7 +2411,7 @@
           <p:cNvPr id="7" name="灯片编号占位符 6">
             <a:extLst>
               <a:ext uri="{FF2B5EF4-FFF2-40B4-BE49-F238E27FC236}">
-                <a16:creationId xmlns:a16="http://schemas.microsoft.com/office/drawing/2014/main" id="{2296C861-F140-3C28-F581-8A02E5E6E86E}"/>
+                <a16:creationId xmlns:a16="http://schemas.microsoft.com/office/drawing/2014/main" id="{59505EB4-90FC-FF44-6D3F-1A494762C9E2}"/>
               </a:ext>
             </a:extLst>
           </p:cNvPr>
@@ -2427,7 +2427,7 @@
           <a:bodyPr/>
           <a:lstStyle/>
           <a:p>
-            <a:fld id="{7028D1EE-6EEB-4000-B253-14DBCEA31484}" type="slidenum">
+            <a:fld id="{128A40FE-627D-4615-92D3-A81A7AC7E122}" type="slidenum">
               <a:rPr lang="zh-CN" altLang="en-US" smtClean="0"/>
               <a:t>‹#›</a:t>
             </a:fld>
@@ -2438,7 +2438,7 @@
     </p:spTree>
     <p:extLst>
       <p:ext uri="{BB962C8B-B14F-4D97-AF65-F5344CB8AC3E}">
-        <p14:creationId xmlns:p14="http://schemas.microsoft.com/office/powerpoint/2010/main" val="1064816320"/>
+        <p14:creationId xmlns:p14="http://schemas.microsoft.com/office/powerpoint/2010/main" val="4204559283"/>
       </p:ext>
     </p:extLst>
   </p:cSld>
@@ -2470,7 +2470,7 @@
           <p:cNvPr id="2" name="标题 1">
             <a:extLst>
               <a:ext uri="{FF2B5EF4-FFF2-40B4-BE49-F238E27FC236}">
-                <a16:creationId xmlns:a16="http://schemas.microsoft.com/office/drawing/2014/main" id="{B9BDFA45-5B54-63A9-C6ED-7BFB98338CBB}"/>
+                <a16:creationId xmlns:a16="http://schemas.microsoft.com/office/drawing/2014/main" id="{36477259-DC01-EE0C-C378-AFE7B30995E9}"/>
               </a:ext>
             </a:extLst>
           </p:cNvPr>
@@ -2507,7 +2507,7 @@
           <p:cNvPr id="3" name="图片占位符 2">
             <a:extLst>
               <a:ext uri="{FF2B5EF4-FFF2-40B4-BE49-F238E27FC236}">
-                <a16:creationId xmlns:a16="http://schemas.microsoft.com/office/drawing/2014/main" id="{BF0E5C95-6BB5-59C7-A32B-4CB4C313EA85}"/>
+                <a16:creationId xmlns:a16="http://schemas.microsoft.com/office/drawing/2014/main" id="{94C12BEC-A728-D551-B31B-9AE44390E7DF}"/>
               </a:ext>
             </a:extLst>
           </p:cNvPr>
@@ -2574,7 +2574,7 @@
           <p:cNvPr id="4" name="文本占位符 3">
             <a:extLst>
               <a:ext uri="{FF2B5EF4-FFF2-40B4-BE49-F238E27FC236}">
-                <a16:creationId xmlns:a16="http://schemas.microsoft.com/office/drawing/2014/main" id="{4C67D4E6-FA9B-4727-5FBD-5D383D6550E6}"/>
+                <a16:creationId xmlns:a16="http://schemas.microsoft.com/office/drawing/2014/main" id="{E4E3A6CE-5F46-31B4-083F-35804652B315}"/>
               </a:ext>
             </a:extLst>
           </p:cNvPr>
@@ -2645,7 +2645,7 @@
           <p:cNvPr id="5" name="日期占位符 4">
             <a:extLst>
               <a:ext uri="{FF2B5EF4-FFF2-40B4-BE49-F238E27FC236}">
-                <a16:creationId xmlns:a16="http://schemas.microsoft.com/office/drawing/2014/main" id="{DC495D57-B5B9-3477-72F3-45B61F75C7C1}"/>
+                <a16:creationId xmlns:a16="http://schemas.microsoft.com/office/drawing/2014/main" id="{867EEE7F-A296-EE2B-EC27-86397692517D}"/>
               </a:ext>
             </a:extLst>
           </p:cNvPr>
@@ -2661,7 +2661,7 @@
           <a:bodyPr/>
           <a:lstStyle/>
           <a:p>
-            <a:fld id="{585C3B1F-A490-4B28-8FE2-11253A5B051E}" type="datetimeFigureOut">
+            <a:fld id="{5BDFB9D5-4C18-49AA-89D8-F7ED02F297FC}" type="datetimeFigureOut">
               <a:rPr lang="zh-CN" altLang="en-US" smtClean="0"/>
               <a:t>2024/3/10</a:t>
             </a:fld>
@@ -2674,7 +2674,7 @@
           <p:cNvPr id="6" name="页脚占位符 5">
             <a:extLst>
               <a:ext uri="{FF2B5EF4-FFF2-40B4-BE49-F238E27FC236}">
-                <a16:creationId xmlns:a16="http://schemas.microsoft.com/office/drawing/2014/main" id="{4D1390EE-AB88-2101-D32F-5D2173D052A7}"/>
+                <a16:creationId xmlns:a16="http://schemas.microsoft.com/office/drawing/2014/main" id="{E2FC7E94-69D8-0A91-9DD6-9FC08D868642}"/>
               </a:ext>
             </a:extLst>
           </p:cNvPr>
@@ -2699,7 +2699,7 @@
           <p:cNvPr id="7" name="灯片编号占位符 6">
             <a:extLst>
               <a:ext uri="{FF2B5EF4-FFF2-40B4-BE49-F238E27FC236}">
-                <a16:creationId xmlns:a16="http://schemas.microsoft.com/office/drawing/2014/main" id="{9C786F10-5D27-B471-5144-4C0FD469942F}"/>
+                <a16:creationId xmlns:a16="http://schemas.microsoft.com/office/drawing/2014/main" id="{B1C1BE22-ACC2-9A9E-F13E-9868146EF539}"/>
               </a:ext>
             </a:extLst>
           </p:cNvPr>
@@ -2715,7 +2715,7 @@
           <a:bodyPr/>
           <a:lstStyle/>
           <a:p>
-            <a:fld id="{7028D1EE-6EEB-4000-B253-14DBCEA31484}" type="slidenum">
+            <a:fld id="{128A40FE-627D-4615-92D3-A81A7AC7E122}" type="slidenum">
               <a:rPr lang="zh-CN" altLang="en-US" smtClean="0"/>
               <a:t>‹#›</a:t>
             </a:fld>
@@ -2726,7 +2726,7 @@
     </p:spTree>
     <p:extLst>
       <p:ext uri="{BB962C8B-B14F-4D97-AF65-F5344CB8AC3E}">
-        <p14:creationId xmlns:p14="http://schemas.microsoft.com/office/powerpoint/2010/main" val="3140042711"/>
+        <p14:creationId xmlns:p14="http://schemas.microsoft.com/office/powerpoint/2010/main" val="810177709"/>
       </p:ext>
     </p:extLst>
   </p:cSld>
@@ -2763,7 +2763,7 @@
           <p:cNvPr id="2" name="标题占位符 1">
             <a:extLst>
               <a:ext uri="{FF2B5EF4-FFF2-40B4-BE49-F238E27FC236}">
-                <a16:creationId xmlns:a16="http://schemas.microsoft.com/office/drawing/2014/main" id="{758A2D20-7279-2622-8F63-9F81CE5E3D07}"/>
+                <a16:creationId xmlns:a16="http://schemas.microsoft.com/office/drawing/2014/main" id="{F8B2EBE7-F3DD-EFEC-0595-D4E6EBF14EA6}"/>
               </a:ext>
             </a:extLst>
           </p:cNvPr>
@@ -2801,7 +2801,7 @@
           <p:cNvPr id="3" name="文本占位符 2">
             <a:extLst>
               <a:ext uri="{FF2B5EF4-FFF2-40B4-BE49-F238E27FC236}">
-                <a16:creationId xmlns:a16="http://schemas.microsoft.com/office/drawing/2014/main" id="{7A76C13F-B111-38AE-DC5D-531B325BE713}"/>
+                <a16:creationId xmlns:a16="http://schemas.microsoft.com/office/drawing/2014/main" id="{9E280AA4-E8EA-DB76-8B58-CA155FE35652}"/>
               </a:ext>
             </a:extLst>
           </p:cNvPr>
@@ -2868,7 +2868,7 @@
           <p:cNvPr id="4" name="日期占位符 3">
             <a:extLst>
               <a:ext uri="{FF2B5EF4-FFF2-40B4-BE49-F238E27FC236}">
-                <a16:creationId xmlns:a16="http://schemas.microsoft.com/office/drawing/2014/main" id="{8F606DD8-F196-AAB8-B532-5E0E54E159D1}"/>
+                <a16:creationId xmlns:a16="http://schemas.microsoft.com/office/drawing/2014/main" id="{E78DCBAC-F29B-5A11-C299-6BDAC254E42E}"/>
               </a:ext>
             </a:extLst>
           </p:cNvPr>
@@ -2902,7 +2902,7 @@
             </a:lvl1pPr>
           </a:lstStyle>
           <a:p>
-            <a:fld id="{585C3B1F-A490-4B28-8FE2-11253A5B051E}" type="datetimeFigureOut">
+            <a:fld id="{5BDFB9D5-4C18-49AA-89D8-F7ED02F297FC}" type="datetimeFigureOut">
               <a:rPr lang="zh-CN" altLang="en-US" smtClean="0"/>
               <a:t>2024/3/10</a:t>
             </a:fld>
@@ -2915,7 +2915,7 @@
           <p:cNvPr id="5" name="页脚占位符 4">
             <a:extLst>
               <a:ext uri="{FF2B5EF4-FFF2-40B4-BE49-F238E27FC236}">
-                <a16:creationId xmlns:a16="http://schemas.microsoft.com/office/drawing/2014/main" id="{4634E3F2-91FD-39B9-09A8-2C2E285B9957}"/>
+                <a16:creationId xmlns:a16="http://schemas.microsoft.com/office/drawing/2014/main" id="{65A768D4-9131-5035-9FE2-F6C3726AB3E9}"/>
               </a:ext>
             </a:extLst>
           </p:cNvPr>
@@ -2958,7 +2958,7 @@
           <p:cNvPr id="6" name="灯片编号占位符 5">
             <a:extLst>
               <a:ext uri="{FF2B5EF4-FFF2-40B4-BE49-F238E27FC236}">
-                <a16:creationId xmlns:a16="http://schemas.microsoft.com/office/drawing/2014/main" id="{7C9FBA91-7895-59C2-E8E9-A5346461911D}"/>
+                <a16:creationId xmlns:a16="http://schemas.microsoft.com/office/drawing/2014/main" id="{AE10A6AE-77CB-5986-3693-96C446E955DC}"/>
               </a:ext>
             </a:extLst>
           </p:cNvPr>
@@ -2992,7 +2992,7 @@
             </a:lvl1pPr>
           </a:lstStyle>
           <a:p>
-            <a:fld id="{7028D1EE-6EEB-4000-B253-14DBCEA31484}" type="slidenum">
+            <a:fld id="{128A40FE-627D-4615-92D3-A81A7AC7E122}" type="slidenum">
               <a:rPr lang="zh-CN" altLang="en-US" smtClean="0"/>
               <a:t>‹#›</a:t>
             </a:fld>
@@ -3003,7 +3003,7 @@
     </p:spTree>
     <p:extLst>
       <p:ext uri="{BB962C8B-B14F-4D97-AF65-F5344CB8AC3E}">
-        <p14:creationId xmlns:p14="http://schemas.microsoft.com/office/powerpoint/2010/main" val="2685534065"/>
+        <p14:creationId xmlns:p14="http://schemas.microsoft.com/office/powerpoint/2010/main" val="3582870802"/>
       </p:ext>
     </p:extLst>
   </p:cSld>
@@ -3323,7 +3323,7 @@
       </p:grpSpPr>
       <p:pic>
         <p:nvPicPr>
-          <p:cNvPr id="1103874" name="Picture 2" descr="1077"/>
+          <p:cNvPr id="1104898" name="Picture 2" descr="1078"/>
           <p:cNvPicPr>
             <a:picLocks noChangeAspect="1" noChangeArrowheads="1"/>
           </p:cNvPicPr>
@@ -3375,11 +3375,275 @@
           </a:extLst>
         </p:spPr>
       </p:pic>
+      <p:pic>
+        <p:nvPicPr>
+          <p:cNvPr id="1105923" name="Picture 3" descr="1078-2"/>
+          <p:cNvPicPr>
+            <a:picLocks noChangeAspect="1" noChangeArrowheads="1"/>
+          </p:cNvPicPr>
+          <p:nvPr/>
+        </p:nvPicPr>
+        <p:blipFill>
+          <a:blip r:embed="rId3">
+            <a:extLst>
+              <a:ext uri="{28A0092B-C50C-407E-A947-70E740481C1C}">
+                <a14:useLocalDpi xmlns:a14="http://schemas.microsoft.com/office/drawing/2010/main" val="0"/>
+              </a:ext>
+            </a:extLst>
+          </a:blip>
+          <a:srcRect/>
+          <a:stretch>
+            <a:fillRect/>
+          </a:stretch>
+        </p:blipFill>
+        <p:spPr bwMode="auto">
+          <a:xfrm>
+            <a:off x="1524000" y="0"/>
+            <a:ext cx="9144000" cy="6858000"/>
+          </a:xfrm>
+          <a:prstGeom prst="rect">
+            <a:avLst/>
+          </a:prstGeom>
+          <a:noFill/>
+          <a:ln>
+            <a:noFill/>
+          </a:ln>
+          <a:effectLst/>
+          <a:extLst>
+            <a:ext uri="{909E8E84-426E-40DD-AFC4-6F175D3DCCD1}">
+              <a14:hiddenFill xmlns:a14="http://schemas.microsoft.com/office/drawing/2010/main">
+                <a:solidFill>
+                  <a:srgbClr val="FFFFFF"/>
+                </a:solidFill>
+              </a14:hiddenFill>
+            </a:ext>
+            <a:ext uri="{91240B29-F687-4F45-9708-019B960494DF}">
+              <a14:hiddenLine xmlns:a14="http://schemas.microsoft.com/office/drawing/2010/main" w="9525">
+                <a:solidFill>
+                  <a:srgbClr val="000000"/>
+                </a:solidFill>
+                <a:miter lim="800000"/>
+                <a:headEnd/>
+                <a:tailEnd/>
+              </a14:hiddenLine>
+            </a:ext>
+            <a:ext uri="{AF507438-7753-43E0-B8FC-AC1667EBCBE1}">
+              <a14:hiddenEffects xmlns:a14="http://schemas.microsoft.com/office/drawing/2010/main">
+                <a:effectLst>
+                  <a:outerShdw dist="35921" dir="2700000" algn="ctr" rotWithShape="0">
+                    <a:srgbClr val="808080"/>
+                  </a:outerShdw>
+                </a:effectLst>
+              </a14:hiddenEffects>
+            </a:ext>
+          </a:extLst>
+        </p:spPr>
+      </p:pic>
+      <p:pic>
+        <p:nvPicPr>
+          <p:cNvPr id="1105924" name="Picture 4" descr="1078-3"/>
+          <p:cNvPicPr>
+            <a:picLocks noChangeAspect="1" noChangeArrowheads="1"/>
+          </p:cNvPicPr>
+          <p:nvPr/>
+        </p:nvPicPr>
+        <p:blipFill>
+          <a:blip r:embed="rId4">
+            <a:extLst>
+              <a:ext uri="{28A0092B-C50C-407E-A947-70E740481C1C}">
+                <a14:useLocalDpi xmlns:a14="http://schemas.microsoft.com/office/drawing/2010/main" val="0"/>
+              </a:ext>
+            </a:extLst>
+          </a:blip>
+          <a:srcRect/>
+          <a:stretch>
+            <a:fillRect/>
+          </a:stretch>
+        </p:blipFill>
+        <p:spPr bwMode="auto">
+          <a:xfrm>
+            <a:off x="1524001" y="0"/>
+            <a:ext cx="9180513" cy="6858000"/>
+          </a:xfrm>
+          <a:prstGeom prst="rect">
+            <a:avLst/>
+          </a:prstGeom>
+          <a:noFill/>
+          <a:ln>
+            <a:noFill/>
+          </a:ln>
+          <a:effectLst/>
+          <a:extLst>
+            <a:ext uri="{909E8E84-426E-40DD-AFC4-6F175D3DCCD1}">
+              <a14:hiddenFill xmlns:a14="http://schemas.microsoft.com/office/drawing/2010/main">
+                <a:solidFill>
+                  <a:srgbClr val="FFFFFF"/>
+                </a:solidFill>
+              </a14:hiddenFill>
+            </a:ext>
+            <a:ext uri="{91240B29-F687-4F45-9708-019B960494DF}">
+              <a14:hiddenLine xmlns:a14="http://schemas.microsoft.com/office/drawing/2010/main" w="9525">
+                <a:solidFill>
+                  <a:srgbClr val="000000"/>
+                </a:solidFill>
+                <a:miter lim="800000"/>
+                <a:headEnd/>
+                <a:tailEnd/>
+              </a14:hiddenLine>
+            </a:ext>
+            <a:ext uri="{AF507438-7753-43E0-B8FC-AC1667EBCBE1}">
+              <a14:hiddenEffects xmlns:a14="http://schemas.microsoft.com/office/drawing/2010/main">
+                <a:effectLst>
+                  <a:outerShdw dist="35921" dir="2700000" algn="ctr" rotWithShape="0">
+                    <a:srgbClr val="808080"/>
+                  </a:outerShdw>
+                </a:effectLst>
+              </a14:hiddenEffects>
+            </a:ext>
+          </a:extLst>
+        </p:spPr>
+      </p:pic>
     </p:spTree>
   </p:cSld>
   <p:clrMapOvr>
     <a:masterClrMapping/>
   </p:clrMapOvr>
+  <p:timing>
+    <p:tnLst>
+      <p:par>
+        <p:cTn id="1" dur="indefinite" restart="never" nodeType="tmRoot">
+          <p:childTnLst>
+            <p:seq concurrent="1" nextAc="seek">
+              <p:cTn id="2" dur="indefinite" nodeType="mainSeq">
+                <p:childTnLst>
+                  <p:par>
+                    <p:cTn id="3" fill="hold" nodeType="clickPar">
+                      <p:stCondLst>
+                        <p:cond delay="indefinite"/>
+                      </p:stCondLst>
+                      <p:childTnLst>
+                        <p:par>
+                          <p:cTn id="4" fill="hold" nodeType="withGroup">
+                            <p:stCondLst>
+                              <p:cond delay="0"/>
+                            </p:stCondLst>
+                            <p:childTnLst>
+                              <p:par>
+                                <p:cTn id="5" presetID="10" presetClass="entr" presetSubtype="0" fill="hold" nodeType="clickEffect">
+                                  <p:stCondLst>
+                                    <p:cond delay="0"/>
+                                  </p:stCondLst>
+                                  <p:childTnLst>
+                                    <p:set>
+                                      <p:cBhvr>
+                                        <p:cTn id="6" dur="1" fill="hold">
+                                          <p:stCondLst>
+                                            <p:cond delay="0"/>
+                                          </p:stCondLst>
+                                        </p:cTn>
+                                        <p:tgtEl>
+                                          <p:spTgt spid="1105923"/>
+                                        </p:tgtEl>
+                                        <p:attrNameLst>
+                                          <p:attrName>style.visibility</p:attrName>
+                                        </p:attrNameLst>
+                                      </p:cBhvr>
+                                      <p:to>
+                                        <p:strVal val="visible"/>
+                                      </p:to>
+                                    </p:set>
+                                    <p:animEffect transition="in" filter="fade">
+                                      <p:cBhvr>
+                                        <p:cTn id="7" dur="500"/>
+                                        <p:tgtEl>
+                                          <p:spTgt spid="1105923"/>
+                                        </p:tgtEl>
+                                      </p:cBhvr>
+                                    </p:animEffect>
+                                  </p:childTnLst>
+                                </p:cTn>
+                              </p:par>
+                            </p:childTnLst>
+                          </p:cTn>
+                        </p:par>
+                      </p:childTnLst>
+                    </p:cTn>
+                  </p:par>
+                  <p:par>
+                    <p:cTn id="8" fill="hold" nodeType="clickPar">
+                      <p:stCondLst>
+                        <p:cond delay="indefinite"/>
+                      </p:stCondLst>
+                      <p:childTnLst>
+                        <p:par>
+                          <p:cTn id="9" fill="hold" nodeType="withGroup">
+                            <p:stCondLst>
+                              <p:cond delay="0"/>
+                            </p:stCondLst>
+                            <p:childTnLst>
+                              <p:par>
+                                <p:cTn id="10" presetID="10" presetClass="entr" presetSubtype="0" fill="hold" nodeType="clickEffect">
+                                  <p:stCondLst>
+                                    <p:cond delay="0"/>
+                                  </p:stCondLst>
+                                  <p:childTnLst>
+                                    <p:set>
+                                      <p:cBhvr>
+                                        <p:cTn id="11" dur="1" fill="hold">
+                                          <p:stCondLst>
+                                            <p:cond delay="0"/>
+                                          </p:stCondLst>
+                                        </p:cTn>
+                                        <p:tgtEl>
+                                          <p:spTgt spid="1105924"/>
+                                        </p:tgtEl>
+                                        <p:attrNameLst>
+                                          <p:attrName>style.visibility</p:attrName>
+                                        </p:attrNameLst>
+                                      </p:cBhvr>
+                                      <p:to>
+                                        <p:strVal val="visible"/>
+                                      </p:to>
+                                    </p:set>
+                                    <p:animEffect transition="in" filter="fade">
+                                      <p:cBhvr>
+                                        <p:cTn id="12" dur="500"/>
+                                        <p:tgtEl>
+                                          <p:spTgt spid="1105924"/>
+                                        </p:tgtEl>
+                                      </p:cBhvr>
+                                    </p:animEffect>
+                                  </p:childTnLst>
+                                </p:cTn>
+                              </p:par>
+                            </p:childTnLst>
+                          </p:cTn>
+                        </p:par>
+                      </p:childTnLst>
+                    </p:cTn>
+                  </p:par>
+                </p:childTnLst>
+              </p:cTn>
+              <p:prevCondLst>
+                <p:cond evt="onPrev" delay="0">
+                  <p:tgtEl>
+                    <p:sldTgt/>
+                  </p:tgtEl>
+                </p:cond>
+              </p:prevCondLst>
+              <p:nextCondLst>
+                <p:cond evt="onNext" delay="0">
+                  <p:tgtEl>
+                    <p:sldTgt/>
+                  </p:tgtEl>
+                </p:cond>
+              </p:nextCondLst>
+            </p:seq>
+          </p:childTnLst>
+        </p:cTn>
+      </p:par>
+    </p:tnLst>
+  </p:timing>
 </p:sld>
 </file>
 
